--- a/Trabalho_3/Trabalho 3  Mineração_de_Dados.pptx
+++ b/Trabalho_3/Trabalho 3  Mineração_de_Dados.pptx
@@ -5,7 +5,7 @@
     <p:sldMasterId id="2147483648" r:id="rId1"/>
   </p:sldMasterIdLst>
   <p:notesMasterIdLst>
-    <p:notesMasterId r:id="rId15"/>
+    <p:notesMasterId r:id="rId20"/>
   </p:notesMasterIdLst>
   <p:sldIdLst>
     <p:sldId id="256" r:id="rId2"/>
@@ -18,9 +18,14 @@
     <p:sldId id="264" r:id="rId9"/>
     <p:sldId id="267" r:id="rId10"/>
     <p:sldId id="294" r:id="rId11"/>
-    <p:sldId id="295" r:id="rId12"/>
-    <p:sldId id="290" r:id="rId13"/>
-    <p:sldId id="291" r:id="rId14"/>
+    <p:sldId id="296" r:id="rId12"/>
+    <p:sldId id="295" r:id="rId13"/>
+    <p:sldId id="297" r:id="rId14"/>
+    <p:sldId id="298" r:id="rId15"/>
+    <p:sldId id="299" r:id="rId16"/>
+    <p:sldId id="300" r:id="rId17"/>
+    <p:sldId id="290" r:id="rId18"/>
+    <p:sldId id="291" r:id="rId19"/>
   </p:sldIdLst>
   <p:sldSz cx="10080625" cy="5670550"/>
   <p:notesSz cx="7559675" cy="10691813"/>
@@ -1356,7 +1361,7 @@
               <a:rPr lang="en-US" sz="1200" b="0" strike="noStrike" spc="-1">
                 <a:latin typeface="Times New Roman"/>
               </a:rPr>
-              <a:t>11</a:t>
+              <a:t>12</a:t>
             </a:fld>
             <a:endParaRPr lang="pt-BR" sz="1200" b="0" strike="noStrike" spc="-1">
               <a:latin typeface="Arial"/>
@@ -1491,7 +1496,7 @@
               <a:rPr lang="en-US" sz="1200" b="0" strike="noStrike" spc="-1">
                 <a:latin typeface="Times New Roman"/>
               </a:rPr>
-              <a:t>13</a:t>
+              <a:t>18</a:t>
             </a:fld>
             <a:endParaRPr lang="pt-BR" sz="1200" b="0" strike="noStrike" spc="-1">
               <a:latin typeface="Arial"/>
@@ -3833,7 +3838,7 @@
           <a:fontRef idx="minor"/>
         </p:style>
         <p:txBody>
-          <a:bodyPr lIns="90000" tIns="45000" rIns="90000" bIns="45000">
+          <a:bodyPr lIns="90000" tIns="45000" rIns="90000" bIns="45000" anchor="t">
             <a:normAutofit lnSpcReduction="10000"/>
           </a:bodyPr>
           <a:lstStyle/>
@@ -3851,7 +3856,7 @@
             </a:endParaRPr>
           </a:p>
           <a:p>
-            <a:pPr marL="285840" indent="-226800">
+            <a:pPr marL="285750" indent="-226695">
               <a:lnSpc>
                 <a:spcPct val="90000"/>
               </a:lnSpc>
@@ -3923,7 +3928,7 @@
             </a:endParaRPr>
           </a:p>
           <a:p>
-            <a:pPr marL="515520">
+            <a:pPr marL="514985">
               <a:lnSpc>
                 <a:spcPct val="90000"/>
               </a:lnSpc>
@@ -4068,7 +4073,7 @@
             </a:r>
           </a:p>
           <a:p>
-            <a:pPr marL="515520">
+            <a:pPr marL="514985">
               <a:lnSpc>
                 <a:spcPct val="90000"/>
               </a:lnSpc>
@@ -4087,7 +4092,7 @@
             </a:endParaRPr>
           </a:p>
           <a:p>
-            <a:pPr marL="285840" indent="-226800">
+            <a:pPr marL="285750" indent="-226695">
               <a:lnSpc>
                 <a:spcPct val="90000"/>
               </a:lnSpc>
@@ -4111,14 +4116,14 @@
               <a:t>A remoção de regras redundantes </a:t>
             </a:r>
             <a:r>
-              <a:rPr lang="pt-BR" sz="1600" b="0" strike="noStrike" spc="-1" dirty="0" err="1">
+              <a:rPr lang="pt-BR" sz="1600" spc="-1" dirty="0">
                 <a:solidFill>
                   <a:srgbClr val="000000"/>
                 </a:solidFill>
                 <a:latin typeface="Arial"/>
                 <a:ea typeface="DejaVu Sans"/>
               </a:rPr>
-              <a:t>resolvutou</a:t>
+              <a:t>resultou</a:t>
             </a:r>
             <a:r>
               <a:rPr lang="pt-BR" sz="1600" b="0" strike="noStrike" spc="-1" dirty="0">
@@ -4142,7 +4147,7 @@
             </a:r>
           </a:p>
           <a:p>
-            <a:pPr marL="515520">
+            <a:pPr marL="514985">
               <a:lnSpc>
                 <a:spcPct val="90000"/>
               </a:lnSpc>
@@ -4191,7 +4196,7 @@
             </a:r>
           </a:p>
           <a:p>
-            <a:pPr marL="515520">
+            <a:pPr marL="514985">
               <a:lnSpc>
                 <a:spcPct val="90000"/>
               </a:lnSpc>
@@ -5439,6 +5444,66 @@
           <a:chExt cx="0" cy="0"/>
         </a:xfrm>
       </p:grpSpPr>
+      <p:pic>
+        <p:nvPicPr>
+          <p:cNvPr id="4" name="Imagem 4" descr="Gráfico, Gráfico de dispersão&#10;&#10;Descrição gerada automaticamente">
+            <a:extLst>
+              <a:ext uri="{FF2B5EF4-FFF2-40B4-BE49-F238E27FC236}">
+                <a16:creationId xmlns:a16="http://schemas.microsoft.com/office/drawing/2014/main" id="{0D4FDE7A-F6CC-86AB-5222-84BC71440CB5}"/>
+              </a:ext>
+            </a:extLst>
+          </p:cNvPr>
+          <p:cNvPicPr>
+            <a:picLocks noChangeAspect="1"/>
+          </p:cNvPicPr>
+          <p:nvPr/>
+        </p:nvPicPr>
+        <p:blipFill>
+          <a:blip r:embed="rId2"/>
+          <a:stretch>
+            <a:fillRect/>
+          </a:stretch>
+        </p:blipFill>
+        <p:spPr>
+          <a:xfrm>
+            <a:off x="350079" y="888735"/>
+            <a:ext cx="9031607" cy="4131549"/>
+          </a:xfrm>
+          <a:prstGeom prst="rect">
+            <a:avLst/>
+          </a:prstGeom>
+        </p:spPr>
+      </p:pic>
+    </p:spTree>
+    <p:extLst>
+      <p:ext uri="{BB962C8B-B14F-4D97-AF65-F5344CB8AC3E}">
+        <p14:creationId xmlns:p14="http://schemas.microsoft.com/office/powerpoint/2010/main" val="2244073197"/>
+      </p:ext>
+    </p:extLst>
+  </p:cSld>
+  <p:clrMapOvr>
+    <a:masterClrMapping/>
+  </p:clrMapOvr>
+</p:sld>
+</file>
+
+<file path=ppt/slides/slide12.xml><?xml version="1.0" encoding="utf-8"?>
+<p:sld xmlns:a="http://schemas.openxmlformats.org/drawingml/2006/main" xmlns:r="http://schemas.openxmlformats.org/officeDocument/2006/relationships" xmlns:p="http://schemas.openxmlformats.org/presentationml/2006/main">
+  <p:cSld>
+    <p:spTree>
+      <p:nvGrpSpPr>
+        <p:cNvPr id="1" name=""/>
+        <p:cNvGrpSpPr/>
+        <p:nvPr/>
+      </p:nvGrpSpPr>
+      <p:grpSpPr>
+        <a:xfrm>
+          <a:off x="0" y="0"/>
+          <a:ext cx="0" cy="0"/>
+          <a:chOff x="0" y="0"/>
+          <a:chExt cx="0" cy="0"/>
+        </a:xfrm>
+      </p:grpSpPr>
       <p:sp>
         <p:nvSpPr>
           <p:cNvPr id="57" name="CustomShape 2"/>
@@ -5543,7 +5608,482 @@
 </p:sld>
 </file>
 
-<file path=ppt/slides/slide12.xml><?xml version="1.0" encoding="utf-8"?>
+<file path=ppt/slides/slide13.xml><?xml version="1.0" encoding="utf-8"?>
+<p:sld xmlns:a="http://schemas.openxmlformats.org/drawingml/2006/main" xmlns:r="http://schemas.openxmlformats.org/officeDocument/2006/relationships" xmlns:p="http://schemas.openxmlformats.org/presentationml/2006/main">
+  <p:cSld>
+    <p:spTree>
+      <p:nvGrpSpPr>
+        <p:cNvPr id="1" name=""/>
+        <p:cNvGrpSpPr/>
+        <p:nvPr/>
+      </p:nvGrpSpPr>
+      <p:grpSpPr>
+        <a:xfrm>
+          <a:off x="0" y="0"/>
+          <a:ext cx="0" cy="0"/>
+          <a:chOff x="0" y="0"/>
+          <a:chExt cx="0" cy="0"/>
+        </a:xfrm>
+      </p:grpSpPr>
+      <p:sp>
+        <p:nvSpPr>
+          <p:cNvPr id="4" name="CaixaDeTexto 3">
+            <a:extLst>
+              <a:ext uri="{FF2B5EF4-FFF2-40B4-BE49-F238E27FC236}">
+                <a16:creationId xmlns:a16="http://schemas.microsoft.com/office/drawing/2014/main" id="{F1FB646F-BB50-B1FF-880C-11CE42EFE11A}"/>
+              </a:ext>
+            </a:extLst>
+          </p:cNvPr>
+          <p:cNvSpPr txBox="1"/>
+          <p:nvPr/>
+        </p:nvSpPr>
+        <p:spPr>
+          <a:xfrm>
+            <a:off x="3187409" y="376169"/>
+            <a:ext cx="2743200" cy="523220"/>
+          </a:xfrm>
+          <a:prstGeom prst="rect">
+            <a:avLst/>
+          </a:prstGeom>
+          <a:noFill/>
+        </p:spPr>
+        <p:txBody>
+          <a:bodyPr rot="0" spcFirstLastPara="0" vertOverflow="overflow" horzOverflow="overflow" vert="horz" wrap="square" lIns="91440" tIns="45720" rIns="91440" bIns="45720" numCol="1" spcCol="0" rtlCol="0" fromWordArt="0" anchor="t" anchorCtr="0" forceAA="0" compatLnSpc="1">
+            <a:prstTxWarp prst="textNoShape">
+              <a:avLst/>
+            </a:prstTxWarp>
+            <a:spAutoFit/>
+          </a:bodyPr>
+          <a:lstStyle/>
+          <a:p>
+            <a:r>
+              <a:rPr lang="pt-BR" sz="2800" b="1" dirty="0"/>
+              <a:t>FP-</a:t>
+            </a:r>
+            <a:r>
+              <a:rPr lang="pt-BR" sz="2800" b="1" dirty="0" err="1"/>
+              <a:t>growth</a:t>
+            </a:r>
+            <a:endParaRPr lang="pt-BR" sz="2800" dirty="0" err="1"/>
+          </a:p>
+        </p:txBody>
+      </p:sp>
+      <p:pic>
+        <p:nvPicPr>
+          <p:cNvPr id="7" name="Imagem 7" descr="Interface gráfica do usuário, Texto, Aplicativo&#10;&#10;Descrição gerada automaticamente">
+            <a:extLst>
+              <a:ext uri="{FF2B5EF4-FFF2-40B4-BE49-F238E27FC236}">
+                <a16:creationId xmlns:a16="http://schemas.microsoft.com/office/drawing/2014/main" id="{830CB279-4C7F-6353-6F7E-4CA61F6B3934}"/>
+              </a:ext>
+            </a:extLst>
+          </p:cNvPr>
+          <p:cNvPicPr>
+            <a:picLocks noChangeAspect="1"/>
+          </p:cNvPicPr>
+          <p:nvPr/>
+        </p:nvPicPr>
+        <p:blipFill>
+          <a:blip r:embed="rId2"/>
+          <a:stretch>
+            <a:fillRect/>
+          </a:stretch>
+        </p:blipFill>
+        <p:spPr>
+          <a:xfrm>
+            <a:off x="158692" y="1683795"/>
+            <a:ext cx="9756745" cy="2509612"/>
+          </a:xfrm>
+          <a:prstGeom prst="rect">
+            <a:avLst/>
+          </a:prstGeom>
+        </p:spPr>
+      </p:pic>
+      <p:sp>
+        <p:nvSpPr>
+          <p:cNvPr id="8" name="CaixaDeTexto 7">
+            <a:extLst>
+              <a:ext uri="{FF2B5EF4-FFF2-40B4-BE49-F238E27FC236}">
+                <a16:creationId xmlns:a16="http://schemas.microsoft.com/office/drawing/2014/main" id="{326D4013-A022-D94B-32A5-290683948E71}"/>
+              </a:ext>
+            </a:extLst>
+          </p:cNvPr>
+          <p:cNvSpPr txBox="1"/>
+          <p:nvPr/>
+        </p:nvSpPr>
+        <p:spPr>
+          <a:xfrm>
+            <a:off x="270519" y="973868"/>
+            <a:ext cx="8832448" cy="646331"/>
+          </a:xfrm>
+          <a:prstGeom prst="rect">
+            <a:avLst/>
+          </a:prstGeom>
+          <a:noFill/>
+        </p:spPr>
+        <p:txBody>
+          <a:bodyPr rot="0" spcFirstLastPara="0" vertOverflow="overflow" horzOverflow="overflow" vert="horz" wrap="square" lIns="91440" tIns="45720" rIns="91440" bIns="45720" numCol="1" spcCol="0" rtlCol="0" fromWordArt="0" anchor="t" anchorCtr="0" forceAA="0" compatLnSpc="1">
+            <a:prstTxWarp prst="textNoShape">
+              <a:avLst/>
+            </a:prstTxWarp>
+            <a:spAutoFit/>
+          </a:bodyPr>
+          <a:lstStyle/>
+          <a:p>
+            <a:r>
+              <a:rPr lang="pt-BR" dirty="0"/>
+              <a:t>Foi aplicado o algoritmo FP-</a:t>
+            </a:r>
+            <a:r>
+              <a:rPr lang="pt-BR" dirty="0" err="1"/>
+              <a:t>growth</a:t>
+            </a:r>
+            <a:r>
+              <a:rPr lang="pt-BR" dirty="0"/>
+              <a:t> tendo como alvo o atributo </a:t>
+            </a:r>
+            <a:r>
+              <a:rPr lang="pt-BR" dirty="0" err="1"/>
+              <a:t>arrival_delay</a:t>
+            </a:r>
+            <a:r>
+              <a:rPr lang="pt-BR" dirty="0"/>
+              <a:t>, buscando um suporte mínimo de 10% e confiança mínima de 10%</a:t>
+            </a:r>
+          </a:p>
+        </p:txBody>
+      </p:sp>
+    </p:spTree>
+    <p:extLst>
+      <p:ext uri="{BB962C8B-B14F-4D97-AF65-F5344CB8AC3E}">
+        <p14:creationId xmlns:p14="http://schemas.microsoft.com/office/powerpoint/2010/main" val="3143835961"/>
+      </p:ext>
+    </p:extLst>
+  </p:cSld>
+  <p:clrMapOvr>
+    <a:masterClrMapping/>
+  </p:clrMapOvr>
+</p:sld>
+</file>
+
+<file path=ppt/slides/slide14.xml><?xml version="1.0" encoding="utf-8"?>
+<p:sld xmlns:a="http://schemas.openxmlformats.org/drawingml/2006/main" xmlns:r="http://schemas.openxmlformats.org/officeDocument/2006/relationships" xmlns:p="http://schemas.openxmlformats.org/presentationml/2006/main">
+  <p:cSld>
+    <p:spTree>
+      <p:nvGrpSpPr>
+        <p:cNvPr id="1" name=""/>
+        <p:cNvGrpSpPr/>
+        <p:nvPr/>
+      </p:nvGrpSpPr>
+      <p:grpSpPr>
+        <a:xfrm>
+          <a:off x="0" y="0"/>
+          <a:ext cx="0" cy="0"/>
+          <a:chOff x="0" y="0"/>
+          <a:chExt cx="0" cy="0"/>
+        </a:xfrm>
+      </p:grpSpPr>
+      <p:pic>
+        <p:nvPicPr>
+          <p:cNvPr id="4" name="Imagem 4" descr="Texto&#10;&#10;Descrição gerada automaticamente">
+            <a:extLst>
+              <a:ext uri="{FF2B5EF4-FFF2-40B4-BE49-F238E27FC236}">
+                <a16:creationId xmlns:a16="http://schemas.microsoft.com/office/drawing/2014/main" id="{D1E768C2-9C26-3B9F-F611-243BD42D2479}"/>
+              </a:ext>
+            </a:extLst>
+          </p:cNvPr>
+          <p:cNvPicPr>
+            <a:picLocks noChangeAspect="1"/>
+          </p:cNvPicPr>
+          <p:nvPr/>
+        </p:nvPicPr>
+        <p:blipFill>
+          <a:blip r:embed="rId2"/>
+          <a:stretch>
+            <a:fillRect/>
+          </a:stretch>
+        </p:blipFill>
+        <p:spPr>
+          <a:xfrm>
+            <a:off x="368067" y="1745793"/>
+            <a:ext cx="8686866" cy="3819306"/>
+          </a:xfrm>
+          <a:prstGeom prst="rect">
+            <a:avLst/>
+          </a:prstGeom>
+        </p:spPr>
+      </p:pic>
+      <p:sp>
+        <p:nvSpPr>
+          <p:cNvPr id="5" name="CaixaDeTexto 4">
+            <a:extLst>
+              <a:ext uri="{FF2B5EF4-FFF2-40B4-BE49-F238E27FC236}">
+                <a16:creationId xmlns:a16="http://schemas.microsoft.com/office/drawing/2014/main" id="{CF8FB4F6-EE47-88C4-55EF-E7E2E3ACB561}"/>
+              </a:ext>
+            </a:extLst>
+          </p:cNvPr>
+          <p:cNvSpPr txBox="1"/>
+          <p:nvPr/>
+        </p:nvSpPr>
+        <p:spPr>
+          <a:xfrm>
+            <a:off x="148785" y="189362"/>
+            <a:ext cx="8616033" cy="1200329"/>
+          </a:xfrm>
+          <a:prstGeom prst="rect">
+            <a:avLst/>
+          </a:prstGeom>
+          <a:noFill/>
+        </p:spPr>
+        <p:txBody>
+          <a:bodyPr rot="0" spcFirstLastPara="0" vertOverflow="overflow" horzOverflow="overflow" vert="horz" wrap="square" lIns="91440" tIns="45720" rIns="91440" bIns="45720" numCol="1" spcCol="0" rtlCol="0" fromWordArt="0" anchor="t" anchorCtr="0" forceAA="0" compatLnSpc="1">
+            <a:prstTxWarp prst="textNoShape">
+              <a:avLst/>
+            </a:prstTxWarp>
+            <a:spAutoFit/>
+          </a:bodyPr>
+          <a:lstStyle/>
+          <a:p>
+            <a:r>
+              <a:rPr lang="pt-BR" dirty="0"/>
+              <a:t>Com o tratamento aplicado ao conjunto de dados não foi possível com o algoritmo FP-</a:t>
+            </a:r>
+            <a:r>
+              <a:rPr lang="pt-BR" dirty="0" err="1"/>
+              <a:t>growth</a:t>
+            </a:r>
+            <a:r>
+              <a:rPr lang="pt-BR" dirty="0"/>
+              <a:t> identificar regras relevantes que correlacionadas ao atraso, é conveniente efetuar novo tratamento sobre os dados. Contudo, destaca-se a força de duas regras relacionando antecipação dos </a:t>
+            </a:r>
+            <a:r>
+              <a:rPr lang="pt-BR" dirty="0" err="1"/>
+              <a:t>vôos</a:t>
+            </a:r>
+            <a:r>
+              <a:rPr lang="pt-BR" dirty="0"/>
+              <a:t> a duas companhias aéreas</a:t>
+            </a:r>
+          </a:p>
+        </p:txBody>
+      </p:sp>
+    </p:spTree>
+    <p:extLst>
+      <p:ext uri="{BB962C8B-B14F-4D97-AF65-F5344CB8AC3E}">
+        <p14:creationId xmlns:p14="http://schemas.microsoft.com/office/powerpoint/2010/main" val="3880186219"/>
+      </p:ext>
+    </p:extLst>
+  </p:cSld>
+  <p:clrMapOvr>
+    <a:masterClrMapping/>
+  </p:clrMapOvr>
+</p:sld>
+</file>
+
+<file path=ppt/slides/slide15.xml><?xml version="1.0" encoding="utf-8"?>
+<p:sld xmlns:a="http://schemas.openxmlformats.org/drawingml/2006/main" xmlns:r="http://schemas.openxmlformats.org/officeDocument/2006/relationships" xmlns:p="http://schemas.openxmlformats.org/presentationml/2006/main">
+  <p:cSld>
+    <p:spTree>
+      <p:nvGrpSpPr>
+        <p:cNvPr id="1" name=""/>
+        <p:cNvGrpSpPr/>
+        <p:nvPr/>
+      </p:nvGrpSpPr>
+      <p:grpSpPr>
+        <a:xfrm>
+          <a:off x="0" y="0"/>
+          <a:ext cx="0" cy="0"/>
+          <a:chOff x="0" y="0"/>
+          <a:chExt cx="0" cy="0"/>
+        </a:xfrm>
+      </p:grpSpPr>
+      <p:pic>
+        <p:nvPicPr>
+          <p:cNvPr id="4" name="Imagem 4" descr="Gráfico, Gráfico de dispersão&#10;&#10;Descrição gerada automaticamente">
+            <a:extLst>
+              <a:ext uri="{FF2B5EF4-FFF2-40B4-BE49-F238E27FC236}">
+                <a16:creationId xmlns:a16="http://schemas.microsoft.com/office/drawing/2014/main" id="{23880617-A4AF-B0D6-BBED-FA6D3898E6CE}"/>
+              </a:ext>
+            </a:extLst>
+          </p:cNvPr>
+          <p:cNvPicPr>
+            <a:picLocks noChangeAspect="1"/>
+          </p:cNvPicPr>
+          <p:nvPr/>
+        </p:nvPicPr>
+        <p:blipFill>
+          <a:blip r:embed="rId2"/>
+          <a:stretch>
+            <a:fillRect/>
+          </a:stretch>
+        </p:blipFill>
+        <p:spPr>
+          <a:xfrm>
+            <a:off x="179498" y="1345160"/>
+            <a:ext cx="9899396" cy="4092753"/>
+          </a:xfrm>
+          <a:prstGeom prst="rect">
+            <a:avLst/>
+          </a:prstGeom>
+        </p:spPr>
+      </p:pic>
+      <p:sp>
+        <p:nvSpPr>
+          <p:cNvPr id="5" name="CaixaDeTexto 4">
+            <a:extLst>
+              <a:ext uri="{FF2B5EF4-FFF2-40B4-BE49-F238E27FC236}">
+                <a16:creationId xmlns:a16="http://schemas.microsoft.com/office/drawing/2014/main" id="{4668DB14-92BE-806F-1FA0-A121F48BE7A1}"/>
+              </a:ext>
+            </a:extLst>
+          </p:cNvPr>
+          <p:cNvSpPr txBox="1"/>
+          <p:nvPr/>
+        </p:nvSpPr>
+        <p:spPr>
+          <a:xfrm>
+            <a:off x="175837" y="270519"/>
+            <a:ext cx="8440195" cy="369332"/>
+          </a:xfrm>
+          <a:prstGeom prst="rect">
+            <a:avLst/>
+          </a:prstGeom>
+          <a:noFill/>
+        </p:spPr>
+        <p:txBody>
+          <a:bodyPr rot="0" spcFirstLastPara="0" vertOverflow="overflow" horzOverflow="overflow" vert="horz" wrap="square" lIns="91440" tIns="45720" rIns="91440" bIns="45720" numCol="1" spcCol="0" rtlCol="0" fromWordArt="0" anchor="t" anchorCtr="0" forceAA="0" compatLnSpc="1">
+            <a:prstTxWarp prst="textNoShape">
+              <a:avLst/>
+            </a:prstTxWarp>
+            <a:spAutoFit/>
+          </a:bodyPr>
+          <a:lstStyle/>
+          <a:p>
+            <a:r>
+              <a:rPr lang="pt-BR" dirty="0"/>
+              <a:t>Destaque para a força de duas regras apontadas pelo </a:t>
+            </a:r>
+            <a:r>
+              <a:rPr lang="pt-BR" dirty="0" err="1"/>
+              <a:t>lift</a:t>
+            </a:r>
+            <a:r>
+              <a:rPr lang="pt-BR" dirty="0"/>
+              <a:t> no gráfico de dispersão</a:t>
+            </a:r>
+          </a:p>
+        </p:txBody>
+      </p:sp>
+    </p:spTree>
+    <p:extLst>
+      <p:ext uri="{BB962C8B-B14F-4D97-AF65-F5344CB8AC3E}">
+        <p14:creationId xmlns:p14="http://schemas.microsoft.com/office/powerpoint/2010/main" val="780049074"/>
+      </p:ext>
+    </p:extLst>
+  </p:cSld>
+  <p:clrMapOvr>
+    <a:masterClrMapping/>
+  </p:clrMapOvr>
+</p:sld>
+</file>
+
+<file path=ppt/slides/slide16.xml><?xml version="1.0" encoding="utf-8"?>
+<p:sld xmlns:a="http://schemas.openxmlformats.org/drawingml/2006/main" xmlns:r="http://schemas.openxmlformats.org/officeDocument/2006/relationships" xmlns:p="http://schemas.openxmlformats.org/presentationml/2006/main">
+  <p:cSld>
+    <p:spTree>
+      <p:nvGrpSpPr>
+        <p:cNvPr id="1" name=""/>
+        <p:cNvGrpSpPr/>
+        <p:nvPr/>
+      </p:nvGrpSpPr>
+      <p:grpSpPr>
+        <a:xfrm>
+          <a:off x="0" y="0"/>
+          <a:ext cx="0" cy="0"/>
+          <a:chOff x="0" y="0"/>
+          <a:chExt cx="0" cy="0"/>
+        </a:xfrm>
+      </p:grpSpPr>
+      <p:pic>
+        <p:nvPicPr>
+          <p:cNvPr id="4" name="Imagem 4" descr="Gráfico, Gráfico de linhas&#10;&#10;Descrição gerada automaticamente">
+            <a:extLst>
+              <a:ext uri="{FF2B5EF4-FFF2-40B4-BE49-F238E27FC236}">
+                <a16:creationId xmlns:a16="http://schemas.microsoft.com/office/drawing/2014/main" id="{6B9E7C50-0A43-0100-F533-DFAE76C16EC0}"/>
+              </a:ext>
+            </a:extLst>
+          </p:cNvPr>
+          <p:cNvPicPr>
+            <a:picLocks noChangeAspect="1"/>
+          </p:cNvPicPr>
+          <p:nvPr/>
+        </p:nvPicPr>
+        <p:blipFill>
+          <a:blip r:embed="rId2"/>
+          <a:stretch>
+            <a:fillRect/>
+          </a:stretch>
+        </p:blipFill>
+        <p:spPr>
+          <a:xfrm>
+            <a:off x="136402" y="1090454"/>
+            <a:ext cx="9518994" cy="4425615"/>
+          </a:xfrm>
+          <a:prstGeom prst="rect">
+            <a:avLst/>
+          </a:prstGeom>
+        </p:spPr>
+      </p:pic>
+      <p:sp>
+        <p:nvSpPr>
+          <p:cNvPr id="5" name="CaixaDeTexto 4">
+            <a:extLst>
+              <a:ext uri="{FF2B5EF4-FFF2-40B4-BE49-F238E27FC236}">
+                <a16:creationId xmlns:a16="http://schemas.microsoft.com/office/drawing/2014/main" id="{12C8EFCB-E21A-448E-55B1-A48C30ABA89D}"/>
+              </a:ext>
+            </a:extLst>
+          </p:cNvPr>
+          <p:cNvSpPr txBox="1"/>
+          <p:nvPr/>
+        </p:nvSpPr>
+        <p:spPr>
+          <a:xfrm>
+            <a:off x="243466" y="243467"/>
+            <a:ext cx="7926209" cy="646331"/>
+          </a:xfrm>
+          <a:prstGeom prst="rect">
+            <a:avLst/>
+          </a:prstGeom>
+          <a:noFill/>
+        </p:spPr>
+        <p:txBody>
+          <a:bodyPr rot="0" spcFirstLastPara="0" vertOverflow="overflow" horzOverflow="overflow" vert="horz" wrap="square" lIns="91440" tIns="45720" rIns="91440" bIns="45720" numCol="1" spcCol="0" rtlCol="0" fromWordArt="0" anchor="t" anchorCtr="0" forceAA="0" compatLnSpc="1">
+            <a:prstTxWarp prst="textNoShape">
+              <a:avLst/>
+            </a:prstTxWarp>
+            <a:spAutoFit/>
+          </a:bodyPr>
+          <a:lstStyle/>
+          <a:p>
+            <a:r>
+              <a:rPr lang="pt-BR" dirty="0"/>
+              <a:t>Gráfico de coordenadas paralelas confirma a força das regras relacionadas a duas companhias aéreas</a:t>
+            </a:r>
+          </a:p>
+        </p:txBody>
+      </p:sp>
+    </p:spTree>
+    <p:extLst>
+      <p:ext uri="{BB962C8B-B14F-4D97-AF65-F5344CB8AC3E}">
+        <p14:creationId xmlns:p14="http://schemas.microsoft.com/office/powerpoint/2010/main" val="3492674397"/>
+      </p:ext>
+    </p:extLst>
+  </p:cSld>
+  <p:clrMapOvr>
+    <a:masterClrMapping/>
+  </p:clrMapOvr>
+</p:sld>
+</file>
+
+<file path=ppt/slides/slide17.xml><?xml version="1.0" encoding="utf-8"?>
 <p:sld xmlns:a="http://schemas.openxmlformats.org/drawingml/2006/main" xmlns:r="http://schemas.openxmlformats.org/officeDocument/2006/relationships" xmlns:p="http://schemas.openxmlformats.org/presentationml/2006/main">
   <p:cSld>
     <p:spTree>
@@ -5606,16 +6146,26 @@
               </a:spcAft>
             </a:pPr>
             <a:r>
-              <a:rPr lang="pt-BR" sz="2400" b="0" strike="noStrike" spc="-1">
+              <a:rPr lang="pt-BR" sz="2400" b="0" strike="noStrike" spc="-1" dirty="0">
                 <a:solidFill>
                   <a:srgbClr val="000000"/>
                 </a:solidFill>
                 <a:latin typeface="Arial"/>
                 <a:ea typeface="DejaVu Sans"/>
               </a:rPr>
-              <a:t>Disponível no Github</a:t>
-            </a:r>
-            <a:endParaRPr lang="pt-BR" sz="2400" b="0" strike="noStrike" spc="-1">
+              <a:t>Disponível no </a:t>
+            </a:r>
+            <a:r>
+              <a:rPr lang="pt-BR" sz="2400" b="0" strike="noStrike" spc="-1" dirty="0" err="1">
+                <a:solidFill>
+                  <a:srgbClr val="000000"/>
+                </a:solidFill>
+                <a:latin typeface="Arial"/>
+                <a:ea typeface="DejaVu Sans"/>
+              </a:rPr>
+              <a:t>Github</a:t>
+            </a:r>
+            <a:endParaRPr lang="pt-BR" sz="2400" b="0" strike="noStrike" spc="-1" dirty="0">
               <a:latin typeface="Arial"/>
             </a:endParaRPr>
           </a:p>
@@ -5628,20 +6178,7 @@
                 <a:spcPts val="601"/>
               </a:spcAft>
             </a:pPr>
-            <a:endParaRPr lang="pt-BR" sz="2400" b="0" strike="noStrike" spc="-1">
-              <a:latin typeface="Arial"/>
-            </a:endParaRPr>
-          </a:p>
-          <a:p>
-            <a:pPr>
-              <a:lnSpc>
-                <a:spcPct val="90000"/>
-              </a:lnSpc>
-              <a:spcAft>
-                <a:spcPts val="601"/>
-              </a:spcAft>
-            </a:pPr>
-            <a:endParaRPr lang="pt-BR" sz="2400" b="0" strike="noStrike" spc="-1">
+            <a:endParaRPr lang="pt-BR" sz="2400" b="0" strike="noStrike" spc="-1" dirty="0">
               <a:latin typeface="Arial"/>
             </a:endParaRPr>
           </a:p>
@@ -5660,16 +6197,151 @@
               <a:buChar char="•"/>
             </a:pPr>
             <a:r>
-              <a:rPr lang="pt-BR" sz="2400" b="0" strike="noStrike" spc="-1">
+              <a:rPr lang="pt-BR" sz="2400" b="0" strike="noStrike" spc="-1" dirty="0">
                 <a:solidFill>
                   <a:srgbClr val="000000"/>
                 </a:solidFill>
                 <a:latin typeface="Arial"/>
                 <a:ea typeface="DejaVu Sans"/>
+                <a:hlinkClick r:id="rId2"/>
               </a:rPr>
               <a:t>https://github.com/lracefetrj/mineracaodados</a:t>
             </a:r>
-            <a:endParaRPr lang="pt-BR" sz="2400" b="0" strike="noStrike" spc="-1">
+            <a:endParaRPr lang="pt-BR" sz="2400" b="0" strike="noStrike" spc="-1" dirty="0">
+              <a:solidFill>
+                <a:srgbClr val="000000"/>
+              </a:solidFill>
+              <a:latin typeface="Arial"/>
+              <a:ea typeface="DejaVu Sans"/>
+            </a:endParaRPr>
+          </a:p>
+          <a:p>
+            <a:pPr marL="285840" indent="-226800" algn="ctr">
+              <a:lnSpc>
+                <a:spcPct val="90000"/>
+              </a:lnSpc>
+              <a:spcAft>
+                <a:spcPts val="601"/>
+              </a:spcAft>
+              <a:buClr>
+                <a:srgbClr val="000000"/>
+              </a:buClr>
+              <a:buFont typeface="Arial"/>
+              <a:buChar char="•"/>
+            </a:pPr>
+            <a:endParaRPr lang="pt-BR" sz="2400" spc="-1" dirty="0">
+              <a:solidFill>
+                <a:srgbClr val="000000"/>
+              </a:solidFill>
+              <a:latin typeface="Arial"/>
+              <a:ea typeface="DejaVu Sans"/>
+            </a:endParaRPr>
+          </a:p>
+          <a:p>
+            <a:pPr>
+              <a:lnSpc>
+                <a:spcPct val="90000"/>
+              </a:lnSpc>
+              <a:spcAft>
+                <a:spcPts val="601"/>
+              </a:spcAft>
+              <a:buClr>
+                <a:srgbClr val="000000"/>
+              </a:buClr>
+            </a:pPr>
+            <a:r>
+              <a:rPr lang="pt-BR" sz="2400" spc="-1" dirty="0">
+                <a:solidFill>
+                  <a:srgbClr val="000000"/>
+                </a:solidFill>
+                <a:latin typeface="Arial"/>
+              </a:rPr>
+              <a:t>Vídeos do </a:t>
+            </a:r>
+            <a:r>
+              <a:rPr lang="pt-BR" sz="2400" spc="-1" dirty="0" err="1">
+                <a:solidFill>
+                  <a:srgbClr val="000000"/>
+                </a:solidFill>
+                <a:latin typeface="Arial"/>
+              </a:rPr>
+              <a:t>youtube</a:t>
+            </a:r>
+            <a:endParaRPr lang="pt-BR" sz="2400" spc="-1" dirty="0">
+              <a:solidFill>
+                <a:srgbClr val="000000"/>
+              </a:solidFill>
+              <a:latin typeface="Arial"/>
+            </a:endParaRPr>
+          </a:p>
+          <a:p>
+            <a:pPr>
+              <a:lnSpc>
+                <a:spcPct val="90000"/>
+              </a:lnSpc>
+              <a:spcAft>
+                <a:spcPts val="601"/>
+              </a:spcAft>
+              <a:buClr>
+                <a:srgbClr val="000000"/>
+              </a:buClr>
+            </a:pPr>
+            <a:endParaRPr lang="pt-BR" sz="2400" spc="-1" dirty="0">
+              <a:solidFill>
+                <a:srgbClr val="000000"/>
+              </a:solidFill>
+              <a:latin typeface="Arial"/>
+            </a:endParaRPr>
+          </a:p>
+          <a:p>
+            <a:pPr marL="1714500" lvl="3" indent="-342900">
+              <a:lnSpc>
+                <a:spcPct val="90000"/>
+              </a:lnSpc>
+              <a:spcAft>
+                <a:spcPts val="601"/>
+              </a:spcAft>
+              <a:buClr>
+                <a:srgbClr val="000000"/>
+              </a:buClr>
+              <a:buFont typeface="Arial" panose="020B0604020202020204" pitchFamily="34" charset="0"/>
+              <a:buChar char="•"/>
+            </a:pPr>
+            <a:r>
+              <a:rPr lang="pt-BR" sz="2400" spc="-1" dirty="0">
+                <a:solidFill>
+                  <a:srgbClr val="000000"/>
+                </a:solidFill>
+                <a:latin typeface="Arial"/>
+                <a:hlinkClick r:id="rId3"/>
+              </a:rPr>
+              <a:t>https://youtube.com/playlist?list=PLG9Xr61LOlxxbu6nnmczogW360fm3w2qf</a:t>
+            </a:r>
+            <a:endParaRPr lang="pt-BR" sz="2400" spc="-1" dirty="0">
+              <a:solidFill>
+                <a:srgbClr val="000000"/>
+              </a:solidFill>
+              <a:latin typeface="Arial"/>
+            </a:endParaRPr>
+          </a:p>
+          <a:p>
+            <a:pPr marL="1714500" lvl="3" indent="-342900">
+              <a:lnSpc>
+                <a:spcPct val="90000"/>
+              </a:lnSpc>
+              <a:spcAft>
+                <a:spcPts val="601"/>
+              </a:spcAft>
+              <a:buClr>
+                <a:srgbClr val="000000"/>
+              </a:buClr>
+              <a:buFont typeface="Arial" panose="020B0604020202020204" pitchFamily="34" charset="0"/>
+              <a:buChar char="•"/>
+            </a:pPr>
+            <a:endParaRPr lang="pt-BR" sz="2400" spc="-1" dirty="0">
+              <a:solidFill>
+                <a:srgbClr val="000000"/>
+              </a:solidFill>
               <a:latin typeface="Arial"/>
             </a:endParaRPr>
           </a:p>
@@ -5743,7 +6415,7 @@
           <p:nvPr/>
         </p:nvPicPr>
         <p:blipFill>
-          <a:blip r:embed="rId2"/>
+          <a:blip r:embed="rId4"/>
           <a:stretch/>
         </p:blipFill>
         <p:spPr>
@@ -5767,7 +6439,7 @@
 </p:sld>
 </file>
 
-<file path=ppt/slides/slide13.xml><?xml version="1.0" encoding="utf-8"?>
+<file path=ppt/slides/slide18.xml><?xml version="1.0" encoding="utf-8"?>
 <p:sld xmlns:a="http://schemas.openxmlformats.org/drawingml/2006/main" xmlns:r="http://schemas.openxmlformats.org/officeDocument/2006/relationships" xmlns:p="http://schemas.openxmlformats.org/presentationml/2006/main">
   <p:cSld>
     <p:spTree>
@@ -9548,7 +10220,27 @@
                 <a:latin typeface="Arial"/>
                 <a:ea typeface="DejaVu Sans"/>
               </a:rPr>
-              <a:t>Define níveis de temperatura: </a:t>
+              <a:t>Define níveis de </a:t>
+            </a:r>
+            <a:r>
+              <a:rPr lang="pt-BR" spc="-1" dirty="0">
+                <a:solidFill>
+                  <a:srgbClr val="000000"/>
+                </a:solidFill>
+                <a:latin typeface="Arial"/>
+                <a:ea typeface="DejaVu Sans"/>
+              </a:rPr>
+              <a:t>umidade</a:t>
+            </a:r>
+            <a:r>
+              <a:rPr lang="pt-BR" sz="1800" b="0" strike="noStrike" spc="-1" dirty="0">
+                <a:solidFill>
+                  <a:srgbClr val="000000"/>
+                </a:solidFill>
+                <a:latin typeface="Arial"/>
+                <a:ea typeface="DejaVu Sans"/>
+              </a:rPr>
+              <a:t>: </a:t>
             </a:r>
             <a:r>
               <a:rPr lang="en-US" sz="1800" b="1" spc="-1" dirty="0" err="1">
